--- a/Recitation_10.pptx
+++ b/Recitation_10.pptx
@@ -4379,7 +4379,7 @@
         <p:spPr>
           <a:xfrm>
             <a:off x="9093422" y="5021142"/>
-            <a:ext cx="836579" cy="369332"/>
+            <a:ext cx="1408038" cy="369332"/>
           </a:xfrm>
           <a:prstGeom prst="rect">
             <a:avLst/>
@@ -4398,7 +4398,7 @@
                   <a:srgbClr val="FF0000"/>
                 </a:solidFill>
               </a:rPr>
-              <a:t>No</a:t>
+              <a:t>No change</a:t>
             </a:r>
           </a:p>
         </p:txBody>
@@ -4875,7 +4875,7 @@
         </p:blipFill>
         <p:spPr>
           <a:xfrm>
-            <a:off x="1491214" y="941660"/>
+            <a:off x="1413502" y="1010715"/>
             <a:ext cx="9364995" cy="4836570"/>
           </a:xfrm>
         </p:spPr>
@@ -11398,8 +11398,8 @@
           </a:p>
         </p:txBody>
       </p:sp>
-      <mc:AlternateContent xmlns:mc="http://schemas.openxmlformats.org/markup-compatibility/2006" xmlns:a14="http://schemas.microsoft.com/office/drawing/2010/main">
-        <mc:Choice Requires="a14">
+      <mc:AlternateContent xmlns:mc="http://schemas.openxmlformats.org/markup-compatibility/2006">
+        <mc:Choice xmlns:a14="http://schemas.microsoft.com/office/drawing/2010/main" Requires="a14">
           <p:sp>
             <p:nvSpPr>
               <p:cNvPr id="3" name="Content Placeholder 2">
@@ -11644,6 +11644,12 @@
                         </m:r>
                       </m:sup>
                     </m:sSup>
+                    <m:r>
+                      <a:rPr lang="en-US" b="0" i="1" smtClean="0">
+                        <a:latin typeface="Cambria Math" panose="02040503050406030204" pitchFamily="18" charset="0"/>
+                      </a:rPr>
+                      <m:t>𝐵</m:t>
+                    </m:r>
                   </m:oMath>
                 </a14:m>
                 <a:endParaRPr lang="en-US" dirty="0"/>
@@ -11651,7 +11657,7 @@
             </p:txBody>
           </p:sp>
         </mc:Choice>
-        <mc:Fallback xmlns="">
+        <mc:Fallback>
           <p:sp>
             <p:nvSpPr>
               <p:cNvPr id="3" name="Content Placeholder 2">
@@ -21521,7 +21527,7 @@
                   <a:srgbClr val="FF0000"/>
                 </a:solidFill>
               </a:rPr>
-              <a:t> nested for sequence</a:t>
+              <a:t> nested for loop sequence</a:t>
             </a:r>
           </a:p>
           <a:p>
@@ -21643,7 +21649,7 @@
                   <a:srgbClr val="FF0000"/>
                 </a:solidFill>
               </a:rPr>
-              <a:t> nested for sequence</a:t>
+              <a:t> nested for loop sequence</a:t>
             </a:r>
           </a:p>
           <a:p>
